--- a/ppt 16-9/1575.恩曲不休.pptx
+++ b/ppt 16-9/1575.恩曲不休.pptx
@@ -5,7 +5,7 @@
     <p:sldMasterId id="2147483648" r:id="rId1"/>
   </p:sldMasterIdLst>
   <p:sldIdLst>
-    <p:sldId id="3430" r:id="rId2"/>
+    <p:sldId id="3431" r:id="rId2"/>
   </p:sldIdLst>
   <p:sldSz cx="12192000" cy="6858000"/>
   <p:notesSz cx="6858000" cy="9144000"/>
@@ -129,7 +129,7 @@
           <p:cNvPr id="2" name="标题 1">
             <a:extLst>
               <a:ext uri="{FF2B5EF4-FFF2-40B4-BE49-F238E27FC236}">
-                <a16:creationId xmlns:a16="http://schemas.microsoft.com/office/drawing/2014/main" id="{AF239054-538A-5FF2-DAD0-D040FBBAF8DA}"/>
+                <a16:creationId xmlns:a16="http://schemas.microsoft.com/office/drawing/2014/main" id="{DA6651E7-8559-1AEA-5A9B-FC1A09B98954}"/>
               </a:ext>
             </a:extLst>
           </p:cNvPr>
@@ -166,7 +166,7 @@
           <p:cNvPr id="3" name="副标题 2">
             <a:extLst>
               <a:ext uri="{FF2B5EF4-FFF2-40B4-BE49-F238E27FC236}">
-                <a16:creationId xmlns:a16="http://schemas.microsoft.com/office/drawing/2014/main" id="{9FA4504B-9F50-072C-1CC8-245BD867A2AF}"/>
+                <a16:creationId xmlns:a16="http://schemas.microsoft.com/office/drawing/2014/main" id="{D8BBF489-6D54-08EB-6046-133DF9CDCF57}"/>
               </a:ext>
             </a:extLst>
           </p:cNvPr>
@@ -236,7 +236,7 @@
           <p:cNvPr id="4" name="日期占位符 3">
             <a:extLst>
               <a:ext uri="{FF2B5EF4-FFF2-40B4-BE49-F238E27FC236}">
-                <a16:creationId xmlns:a16="http://schemas.microsoft.com/office/drawing/2014/main" id="{0661372F-2379-DBDA-0E9F-08343DD4684B}"/>
+                <a16:creationId xmlns:a16="http://schemas.microsoft.com/office/drawing/2014/main" id="{A3CFE3B4-E236-D469-9EA9-1CB052A91A69}"/>
               </a:ext>
             </a:extLst>
           </p:cNvPr>
@@ -252,7 +252,7 @@
           <a:bodyPr/>
           <a:lstStyle/>
           <a:p>
-            <a:fld id="{9A953AEA-DC32-4C2C-823E-4CB60DCAEB51}" type="datetimeFigureOut">
+            <a:fld id="{B6445F29-6593-4BF1-8C87-C35C181CBC07}" type="datetimeFigureOut">
               <a:rPr lang="zh-CN" altLang="en-US" smtClean="0"/>
               <a:t>2024/3/10</a:t>
             </a:fld>
@@ -265,7 +265,7 @@
           <p:cNvPr id="5" name="页脚占位符 4">
             <a:extLst>
               <a:ext uri="{FF2B5EF4-FFF2-40B4-BE49-F238E27FC236}">
-                <a16:creationId xmlns:a16="http://schemas.microsoft.com/office/drawing/2014/main" id="{7644CC14-1725-357E-0E03-855343B67DE8}"/>
+                <a16:creationId xmlns:a16="http://schemas.microsoft.com/office/drawing/2014/main" id="{70C13089-29FA-0541-2595-23CB2DC94683}"/>
               </a:ext>
             </a:extLst>
           </p:cNvPr>
@@ -290,7 +290,7 @@
           <p:cNvPr id="6" name="灯片编号占位符 5">
             <a:extLst>
               <a:ext uri="{FF2B5EF4-FFF2-40B4-BE49-F238E27FC236}">
-                <a16:creationId xmlns:a16="http://schemas.microsoft.com/office/drawing/2014/main" id="{57CEC3A2-B481-1EAA-2C83-3D58D9433A4C}"/>
+                <a16:creationId xmlns:a16="http://schemas.microsoft.com/office/drawing/2014/main" id="{32A2607A-5054-DC5E-9553-8EE18D61ACE3}"/>
               </a:ext>
             </a:extLst>
           </p:cNvPr>
@@ -306,7 +306,7 @@
           <a:bodyPr/>
           <a:lstStyle/>
           <a:p>
-            <a:fld id="{5B7A856E-3FAB-4729-A6BD-CD3B1E56E9A0}" type="slidenum">
+            <a:fld id="{ED8A6AE8-62BD-429B-A0F5-48D007B504A1}" type="slidenum">
               <a:rPr lang="zh-CN" altLang="en-US" smtClean="0"/>
               <a:t>‹#›</a:t>
             </a:fld>
@@ -317,7 +317,7 @@
     </p:spTree>
     <p:extLst>
       <p:ext uri="{BB962C8B-B14F-4D97-AF65-F5344CB8AC3E}">
-        <p14:creationId xmlns:p14="http://schemas.microsoft.com/office/powerpoint/2010/main" val="1887973221"/>
+        <p14:creationId xmlns:p14="http://schemas.microsoft.com/office/powerpoint/2010/main" val="2896823505"/>
       </p:ext>
     </p:extLst>
   </p:cSld>
@@ -349,7 +349,7 @@
           <p:cNvPr id="2" name="标题 1">
             <a:extLst>
               <a:ext uri="{FF2B5EF4-FFF2-40B4-BE49-F238E27FC236}">
-                <a16:creationId xmlns:a16="http://schemas.microsoft.com/office/drawing/2014/main" id="{7A0BDDB5-2BD8-951C-093B-32F98ABD73F1}"/>
+                <a16:creationId xmlns:a16="http://schemas.microsoft.com/office/drawing/2014/main" id="{59D26883-8184-1CC0-A73D-C8124A3B7CD1}"/>
               </a:ext>
             </a:extLst>
           </p:cNvPr>
@@ -377,7 +377,7 @@
           <p:cNvPr id="3" name="竖排文字占位符 2">
             <a:extLst>
               <a:ext uri="{FF2B5EF4-FFF2-40B4-BE49-F238E27FC236}">
-                <a16:creationId xmlns:a16="http://schemas.microsoft.com/office/drawing/2014/main" id="{B1046DC5-DF72-5EDF-6ABB-656032EA65C8}"/>
+                <a16:creationId xmlns:a16="http://schemas.microsoft.com/office/drawing/2014/main" id="{F90C6748-3AD5-447F-0438-AB1C39308203}"/>
               </a:ext>
             </a:extLst>
           </p:cNvPr>
@@ -434,7 +434,7 @@
           <p:cNvPr id="4" name="日期占位符 3">
             <a:extLst>
               <a:ext uri="{FF2B5EF4-FFF2-40B4-BE49-F238E27FC236}">
-                <a16:creationId xmlns:a16="http://schemas.microsoft.com/office/drawing/2014/main" id="{48606231-3C83-8224-2804-8BBBAFB5C4FD}"/>
+                <a16:creationId xmlns:a16="http://schemas.microsoft.com/office/drawing/2014/main" id="{BAA4870B-FED2-CB0B-CA05-11624F4BF867}"/>
               </a:ext>
             </a:extLst>
           </p:cNvPr>
@@ -450,7 +450,7 @@
           <a:bodyPr/>
           <a:lstStyle/>
           <a:p>
-            <a:fld id="{9A953AEA-DC32-4C2C-823E-4CB60DCAEB51}" type="datetimeFigureOut">
+            <a:fld id="{B6445F29-6593-4BF1-8C87-C35C181CBC07}" type="datetimeFigureOut">
               <a:rPr lang="zh-CN" altLang="en-US" smtClean="0"/>
               <a:t>2024/3/10</a:t>
             </a:fld>
@@ -463,7 +463,7 @@
           <p:cNvPr id="5" name="页脚占位符 4">
             <a:extLst>
               <a:ext uri="{FF2B5EF4-FFF2-40B4-BE49-F238E27FC236}">
-                <a16:creationId xmlns:a16="http://schemas.microsoft.com/office/drawing/2014/main" id="{90950AFD-A0F7-F0E3-4AE6-7C52E93B8E42}"/>
+                <a16:creationId xmlns:a16="http://schemas.microsoft.com/office/drawing/2014/main" id="{2C42F02D-207F-7FCD-79FD-A5C0C0289ADE}"/>
               </a:ext>
             </a:extLst>
           </p:cNvPr>
@@ -488,7 +488,7 @@
           <p:cNvPr id="6" name="灯片编号占位符 5">
             <a:extLst>
               <a:ext uri="{FF2B5EF4-FFF2-40B4-BE49-F238E27FC236}">
-                <a16:creationId xmlns:a16="http://schemas.microsoft.com/office/drawing/2014/main" id="{69E882CD-A813-7F7C-C168-9B297612D91C}"/>
+                <a16:creationId xmlns:a16="http://schemas.microsoft.com/office/drawing/2014/main" id="{D2144A5D-A389-06BE-96EE-6E2E380C74CE}"/>
               </a:ext>
             </a:extLst>
           </p:cNvPr>
@@ -504,7 +504,7 @@
           <a:bodyPr/>
           <a:lstStyle/>
           <a:p>
-            <a:fld id="{5B7A856E-3FAB-4729-A6BD-CD3B1E56E9A0}" type="slidenum">
+            <a:fld id="{ED8A6AE8-62BD-429B-A0F5-48D007B504A1}" type="slidenum">
               <a:rPr lang="zh-CN" altLang="en-US" smtClean="0"/>
               <a:t>‹#›</a:t>
             </a:fld>
@@ -515,7 +515,7 @@
     </p:spTree>
     <p:extLst>
       <p:ext uri="{BB962C8B-B14F-4D97-AF65-F5344CB8AC3E}">
-        <p14:creationId xmlns:p14="http://schemas.microsoft.com/office/powerpoint/2010/main" val="846941055"/>
+        <p14:creationId xmlns:p14="http://schemas.microsoft.com/office/powerpoint/2010/main" val="3717770090"/>
       </p:ext>
     </p:extLst>
   </p:cSld>
@@ -547,7 +547,7 @@
           <p:cNvPr id="2" name="竖排标题 1">
             <a:extLst>
               <a:ext uri="{FF2B5EF4-FFF2-40B4-BE49-F238E27FC236}">
-                <a16:creationId xmlns:a16="http://schemas.microsoft.com/office/drawing/2014/main" id="{784B94A3-64AC-D8A9-A341-C94023D439E5}"/>
+                <a16:creationId xmlns:a16="http://schemas.microsoft.com/office/drawing/2014/main" id="{33078D08-A6DB-E89C-4E45-E89787B6F234}"/>
               </a:ext>
             </a:extLst>
           </p:cNvPr>
@@ -580,7 +580,7 @@
           <p:cNvPr id="3" name="竖排文字占位符 2">
             <a:extLst>
               <a:ext uri="{FF2B5EF4-FFF2-40B4-BE49-F238E27FC236}">
-                <a16:creationId xmlns:a16="http://schemas.microsoft.com/office/drawing/2014/main" id="{FDB416D7-93AA-E933-5046-47883204015B}"/>
+                <a16:creationId xmlns:a16="http://schemas.microsoft.com/office/drawing/2014/main" id="{9A394A75-4CF7-70DE-1D6D-6D2407A6F925}"/>
               </a:ext>
             </a:extLst>
           </p:cNvPr>
@@ -642,7 +642,7 @@
           <p:cNvPr id="4" name="日期占位符 3">
             <a:extLst>
               <a:ext uri="{FF2B5EF4-FFF2-40B4-BE49-F238E27FC236}">
-                <a16:creationId xmlns:a16="http://schemas.microsoft.com/office/drawing/2014/main" id="{35A28920-CC85-840B-A520-2B7EE6F91836}"/>
+                <a16:creationId xmlns:a16="http://schemas.microsoft.com/office/drawing/2014/main" id="{276D7D9E-DA68-F667-3ABD-1656B76D50C6}"/>
               </a:ext>
             </a:extLst>
           </p:cNvPr>
@@ -658,7 +658,7 @@
           <a:bodyPr/>
           <a:lstStyle/>
           <a:p>
-            <a:fld id="{9A953AEA-DC32-4C2C-823E-4CB60DCAEB51}" type="datetimeFigureOut">
+            <a:fld id="{B6445F29-6593-4BF1-8C87-C35C181CBC07}" type="datetimeFigureOut">
               <a:rPr lang="zh-CN" altLang="en-US" smtClean="0"/>
               <a:t>2024/3/10</a:t>
             </a:fld>
@@ -671,7 +671,7 @@
           <p:cNvPr id="5" name="页脚占位符 4">
             <a:extLst>
               <a:ext uri="{FF2B5EF4-FFF2-40B4-BE49-F238E27FC236}">
-                <a16:creationId xmlns:a16="http://schemas.microsoft.com/office/drawing/2014/main" id="{9C81B2FD-3302-D235-85D7-AF6596649304}"/>
+                <a16:creationId xmlns:a16="http://schemas.microsoft.com/office/drawing/2014/main" id="{667E52A2-48F5-472E-F5D8-22B03BF170B6}"/>
               </a:ext>
             </a:extLst>
           </p:cNvPr>
@@ -696,7 +696,7 @@
           <p:cNvPr id="6" name="灯片编号占位符 5">
             <a:extLst>
               <a:ext uri="{FF2B5EF4-FFF2-40B4-BE49-F238E27FC236}">
-                <a16:creationId xmlns:a16="http://schemas.microsoft.com/office/drawing/2014/main" id="{6D2C2D31-BE92-C034-2C06-587EFAC5C2DD}"/>
+                <a16:creationId xmlns:a16="http://schemas.microsoft.com/office/drawing/2014/main" id="{2C95A4BA-EBC4-38E7-7B26-801C372ADF5C}"/>
               </a:ext>
             </a:extLst>
           </p:cNvPr>
@@ -712,7 +712,7 @@
           <a:bodyPr/>
           <a:lstStyle/>
           <a:p>
-            <a:fld id="{5B7A856E-3FAB-4729-A6BD-CD3B1E56E9A0}" type="slidenum">
+            <a:fld id="{ED8A6AE8-62BD-429B-A0F5-48D007B504A1}" type="slidenum">
               <a:rPr lang="zh-CN" altLang="en-US" smtClean="0"/>
               <a:t>‹#›</a:t>
             </a:fld>
@@ -723,7 +723,7 @@
     </p:spTree>
     <p:extLst>
       <p:ext uri="{BB962C8B-B14F-4D97-AF65-F5344CB8AC3E}">
-        <p14:creationId xmlns:p14="http://schemas.microsoft.com/office/powerpoint/2010/main" val="980239693"/>
+        <p14:creationId xmlns:p14="http://schemas.microsoft.com/office/powerpoint/2010/main" val="3252280097"/>
       </p:ext>
     </p:extLst>
   </p:cSld>
@@ -755,7 +755,7 @@
           <p:cNvPr id="2" name="标题 1">
             <a:extLst>
               <a:ext uri="{FF2B5EF4-FFF2-40B4-BE49-F238E27FC236}">
-                <a16:creationId xmlns:a16="http://schemas.microsoft.com/office/drawing/2014/main" id="{56C5D5B3-7351-4C6E-B55B-C5BEE051624A}"/>
+                <a16:creationId xmlns:a16="http://schemas.microsoft.com/office/drawing/2014/main" id="{75ACBB62-D896-C6BA-7F2A-0ADFADC983D6}"/>
               </a:ext>
             </a:extLst>
           </p:cNvPr>
@@ -783,7 +783,7 @@
           <p:cNvPr id="3" name="内容占位符 2">
             <a:extLst>
               <a:ext uri="{FF2B5EF4-FFF2-40B4-BE49-F238E27FC236}">
-                <a16:creationId xmlns:a16="http://schemas.microsoft.com/office/drawing/2014/main" id="{4495FFBD-BE25-0DE1-B209-C2677FB98280}"/>
+                <a16:creationId xmlns:a16="http://schemas.microsoft.com/office/drawing/2014/main" id="{2CA1EE30-8A9C-AC62-393F-56101416873A}"/>
               </a:ext>
             </a:extLst>
           </p:cNvPr>
@@ -840,7 +840,7 @@
           <p:cNvPr id="4" name="日期占位符 3">
             <a:extLst>
               <a:ext uri="{FF2B5EF4-FFF2-40B4-BE49-F238E27FC236}">
-                <a16:creationId xmlns:a16="http://schemas.microsoft.com/office/drawing/2014/main" id="{0BCA55E1-038C-83F4-0F17-131AD6C5913E}"/>
+                <a16:creationId xmlns:a16="http://schemas.microsoft.com/office/drawing/2014/main" id="{B91184D5-3301-DCFF-3152-853AB4D39BE5}"/>
               </a:ext>
             </a:extLst>
           </p:cNvPr>
@@ -856,7 +856,7 @@
           <a:bodyPr/>
           <a:lstStyle/>
           <a:p>
-            <a:fld id="{9A953AEA-DC32-4C2C-823E-4CB60DCAEB51}" type="datetimeFigureOut">
+            <a:fld id="{B6445F29-6593-4BF1-8C87-C35C181CBC07}" type="datetimeFigureOut">
               <a:rPr lang="zh-CN" altLang="en-US" smtClean="0"/>
               <a:t>2024/3/10</a:t>
             </a:fld>
@@ -869,7 +869,7 @@
           <p:cNvPr id="5" name="页脚占位符 4">
             <a:extLst>
               <a:ext uri="{FF2B5EF4-FFF2-40B4-BE49-F238E27FC236}">
-                <a16:creationId xmlns:a16="http://schemas.microsoft.com/office/drawing/2014/main" id="{EF0326F3-F540-C83E-2CA8-616DE18662E5}"/>
+                <a16:creationId xmlns:a16="http://schemas.microsoft.com/office/drawing/2014/main" id="{5B842821-2A36-FF85-B7F1-D9C5B596F2AB}"/>
               </a:ext>
             </a:extLst>
           </p:cNvPr>
@@ -894,7 +894,7 @@
           <p:cNvPr id="6" name="灯片编号占位符 5">
             <a:extLst>
               <a:ext uri="{FF2B5EF4-FFF2-40B4-BE49-F238E27FC236}">
-                <a16:creationId xmlns:a16="http://schemas.microsoft.com/office/drawing/2014/main" id="{2759359A-F884-7CCF-FBEE-6DB81F1CDE23}"/>
+                <a16:creationId xmlns:a16="http://schemas.microsoft.com/office/drawing/2014/main" id="{64B76A15-664B-4990-2A11-0CFD5D24FD56}"/>
               </a:ext>
             </a:extLst>
           </p:cNvPr>
@@ -910,7 +910,7 @@
           <a:bodyPr/>
           <a:lstStyle/>
           <a:p>
-            <a:fld id="{5B7A856E-3FAB-4729-A6BD-CD3B1E56E9A0}" type="slidenum">
+            <a:fld id="{ED8A6AE8-62BD-429B-A0F5-48D007B504A1}" type="slidenum">
               <a:rPr lang="zh-CN" altLang="en-US" smtClean="0"/>
               <a:t>‹#›</a:t>
             </a:fld>
@@ -921,7 +921,7 @@
     </p:spTree>
     <p:extLst>
       <p:ext uri="{BB962C8B-B14F-4D97-AF65-F5344CB8AC3E}">
-        <p14:creationId xmlns:p14="http://schemas.microsoft.com/office/powerpoint/2010/main" val="1814120052"/>
+        <p14:creationId xmlns:p14="http://schemas.microsoft.com/office/powerpoint/2010/main" val="1965176482"/>
       </p:ext>
     </p:extLst>
   </p:cSld>
@@ -953,7 +953,7 @@
           <p:cNvPr id="2" name="标题 1">
             <a:extLst>
               <a:ext uri="{FF2B5EF4-FFF2-40B4-BE49-F238E27FC236}">
-                <a16:creationId xmlns:a16="http://schemas.microsoft.com/office/drawing/2014/main" id="{98363D06-9E92-DF66-C518-E13980E033ED}"/>
+                <a16:creationId xmlns:a16="http://schemas.microsoft.com/office/drawing/2014/main" id="{4145731C-5F78-270B-3A8C-0DB9CA8076D5}"/>
               </a:ext>
             </a:extLst>
           </p:cNvPr>
@@ -990,7 +990,7 @@
           <p:cNvPr id="3" name="文本占位符 2">
             <a:extLst>
               <a:ext uri="{FF2B5EF4-FFF2-40B4-BE49-F238E27FC236}">
-                <a16:creationId xmlns:a16="http://schemas.microsoft.com/office/drawing/2014/main" id="{52232DB4-8E0B-9628-C152-6D80E2730091}"/>
+                <a16:creationId xmlns:a16="http://schemas.microsoft.com/office/drawing/2014/main" id="{201A156F-F75C-28FA-6FBF-AE321EF936B5}"/>
               </a:ext>
             </a:extLst>
           </p:cNvPr>
@@ -1115,7 +1115,7 @@
           <p:cNvPr id="4" name="日期占位符 3">
             <a:extLst>
               <a:ext uri="{FF2B5EF4-FFF2-40B4-BE49-F238E27FC236}">
-                <a16:creationId xmlns:a16="http://schemas.microsoft.com/office/drawing/2014/main" id="{CA7E047F-03A7-E0A4-239F-97FA69220429}"/>
+                <a16:creationId xmlns:a16="http://schemas.microsoft.com/office/drawing/2014/main" id="{5E5DEEE3-DC1C-7768-C3B1-7866A1C4F573}"/>
               </a:ext>
             </a:extLst>
           </p:cNvPr>
@@ -1131,7 +1131,7 @@
           <a:bodyPr/>
           <a:lstStyle/>
           <a:p>
-            <a:fld id="{9A953AEA-DC32-4C2C-823E-4CB60DCAEB51}" type="datetimeFigureOut">
+            <a:fld id="{B6445F29-6593-4BF1-8C87-C35C181CBC07}" type="datetimeFigureOut">
               <a:rPr lang="zh-CN" altLang="en-US" smtClean="0"/>
               <a:t>2024/3/10</a:t>
             </a:fld>
@@ -1144,7 +1144,7 @@
           <p:cNvPr id="5" name="页脚占位符 4">
             <a:extLst>
               <a:ext uri="{FF2B5EF4-FFF2-40B4-BE49-F238E27FC236}">
-                <a16:creationId xmlns:a16="http://schemas.microsoft.com/office/drawing/2014/main" id="{29F724D8-FE34-30BB-E191-9F75B435E298}"/>
+                <a16:creationId xmlns:a16="http://schemas.microsoft.com/office/drawing/2014/main" id="{C0070CFB-3269-2A4E-31E1-C971BC06226D}"/>
               </a:ext>
             </a:extLst>
           </p:cNvPr>
@@ -1169,7 +1169,7 @@
           <p:cNvPr id="6" name="灯片编号占位符 5">
             <a:extLst>
               <a:ext uri="{FF2B5EF4-FFF2-40B4-BE49-F238E27FC236}">
-                <a16:creationId xmlns:a16="http://schemas.microsoft.com/office/drawing/2014/main" id="{BDA1FFE9-6E2B-0AB5-F6C3-C3287E50B62E}"/>
+                <a16:creationId xmlns:a16="http://schemas.microsoft.com/office/drawing/2014/main" id="{26B0911C-47AF-A617-E502-DB1B024B6EAC}"/>
               </a:ext>
             </a:extLst>
           </p:cNvPr>
@@ -1185,7 +1185,7 @@
           <a:bodyPr/>
           <a:lstStyle/>
           <a:p>
-            <a:fld id="{5B7A856E-3FAB-4729-A6BD-CD3B1E56E9A0}" type="slidenum">
+            <a:fld id="{ED8A6AE8-62BD-429B-A0F5-48D007B504A1}" type="slidenum">
               <a:rPr lang="zh-CN" altLang="en-US" smtClean="0"/>
               <a:t>‹#›</a:t>
             </a:fld>
@@ -1196,7 +1196,7 @@
     </p:spTree>
     <p:extLst>
       <p:ext uri="{BB962C8B-B14F-4D97-AF65-F5344CB8AC3E}">
-        <p14:creationId xmlns:p14="http://schemas.microsoft.com/office/powerpoint/2010/main" val="3348153428"/>
+        <p14:creationId xmlns:p14="http://schemas.microsoft.com/office/powerpoint/2010/main" val="156831724"/>
       </p:ext>
     </p:extLst>
   </p:cSld>
@@ -1228,7 +1228,7 @@
           <p:cNvPr id="2" name="标题 1">
             <a:extLst>
               <a:ext uri="{FF2B5EF4-FFF2-40B4-BE49-F238E27FC236}">
-                <a16:creationId xmlns:a16="http://schemas.microsoft.com/office/drawing/2014/main" id="{D83FF939-2680-FFE8-2A5F-CC24760A09E4}"/>
+                <a16:creationId xmlns:a16="http://schemas.microsoft.com/office/drawing/2014/main" id="{D27F4094-7205-8C55-2D97-D2274E47B055}"/>
               </a:ext>
             </a:extLst>
           </p:cNvPr>
@@ -1256,7 +1256,7 @@
           <p:cNvPr id="3" name="内容占位符 2">
             <a:extLst>
               <a:ext uri="{FF2B5EF4-FFF2-40B4-BE49-F238E27FC236}">
-                <a16:creationId xmlns:a16="http://schemas.microsoft.com/office/drawing/2014/main" id="{95D5651D-4EF7-4B33-F619-A54924EE2916}"/>
+                <a16:creationId xmlns:a16="http://schemas.microsoft.com/office/drawing/2014/main" id="{B75A2D1D-0C34-3DC3-C379-BD4E3A027D8B}"/>
               </a:ext>
             </a:extLst>
           </p:cNvPr>
@@ -1318,7 +1318,7 @@
           <p:cNvPr id="4" name="内容占位符 3">
             <a:extLst>
               <a:ext uri="{FF2B5EF4-FFF2-40B4-BE49-F238E27FC236}">
-                <a16:creationId xmlns:a16="http://schemas.microsoft.com/office/drawing/2014/main" id="{82048C51-9BF7-8F74-3938-B7A390DCA2C1}"/>
+                <a16:creationId xmlns:a16="http://schemas.microsoft.com/office/drawing/2014/main" id="{EF5A0D7B-62CD-9336-D32B-4B34FA61568C}"/>
               </a:ext>
             </a:extLst>
           </p:cNvPr>
@@ -1380,7 +1380,7 @@
           <p:cNvPr id="5" name="日期占位符 4">
             <a:extLst>
               <a:ext uri="{FF2B5EF4-FFF2-40B4-BE49-F238E27FC236}">
-                <a16:creationId xmlns:a16="http://schemas.microsoft.com/office/drawing/2014/main" id="{74F805F0-9D61-E621-9544-9B67B7848800}"/>
+                <a16:creationId xmlns:a16="http://schemas.microsoft.com/office/drawing/2014/main" id="{C7CD6010-04D5-8BBC-E73E-AE54F1B81BE0}"/>
               </a:ext>
             </a:extLst>
           </p:cNvPr>
@@ -1396,7 +1396,7 @@
           <a:bodyPr/>
           <a:lstStyle/>
           <a:p>
-            <a:fld id="{9A953AEA-DC32-4C2C-823E-4CB60DCAEB51}" type="datetimeFigureOut">
+            <a:fld id="{B6445F29-6593-4BF1-8C87-C35C181CBC07}" type="datetimeFigureOut">
               <a:rPr lang="zh-CN" altLang="en-US" smtClean="0"/>
               <a:t>2024/3/10</a:t>
             </a:fld>
@@ -1409,7 +1409,7 @@
           <p:cNvPr id="6" name="页脚占位符 5">
             <a:extLst>
               <a:ext uri="{FF2B5EF4-FFF2-40B4-BE49-F238E27FC236}">
-                <a16:creationId xmlns:a16="http://schemas.microsoft.com/office/drawing/2014/main" id="{CC0E6B8A-B1CB-3A6A-29E2-9717251768D7}"/>
+                <a16:creationId xmlns:a16="http://schemas.microsoft.com/office/drawing/2014/main" id="{F161EE4F-00D6-EBED-2A41-80CCB9618A95}"/>
               </a:ext>
             </a:extLst>
           </p:cNvPr>
@@ -1434,7 +1434,7 @@
           <p:cNvPr id="7" name="灯片编号占位符 6">
             <a:extLst>
               <a:ext uri="{FF2B5EF4-FFF2-40B4-BE49-F238E27FC236}">
-                <a16:creationId xmlns:a16="http://schemas.microsoft.com/office/drawing/2014/main" id="{B81F6085-E258-4BDE-6360-624B1BFC5240}"/>
+                <a16:creationId xmlns:a16="http://schemas.microsoft.com/office/drawing/2014/main" id="{FDB0B193-90B7-F17D-8280-8CCF6686B5DE}"/>
               </a:ext>
             </a:extLst>
           </p:cNvPr>
@@ -1450,7 +1450,7 @@
           <a:bodyPr/>
           <a:lstStyle/>
           <a:p>
-            <a:fld id="{5B7A856E-3FAB-4729-A6BD-CD3B1E56E9A0}" type="slidenum">
+            <a:fld id="{ED8A6AE8-62BD-429B-A0F5-48D007B504A1}" type="slidenum">
               <a:rPr lang="zh-CN" altLang="en-US" smtClean="0"/>
               <a:t>‹#›</a:t>
             </a:fld>
@@ -1461,7 +1461,7 @@
     </p:spTree>
     <p:extLst>
       <p:ext uri="{BB962C8B-B14F-4D97-AF65-F5344CB8AC3E}">
-        <p14:creationId xmlns:p14="http://schemas.microsoft.com/office/powerpoint/2010/main" val="2336194778"/>
+        <p14:creationId xmlns:p14="http://schemas.microsoft.com/office/powerpoint/2010/main" val="1207057575"/>
       </p:ext>
     </p:extLst>
   </p:cSld>
@@ -1493,7 +1493,7 @@
           <p:cNvPr id="2" name="标题 1">
             <a:extLst>
               <a:ext uri="{FF2B5EF4-FFF2-40B4-BE49-F238E27FC236}">
-                <a16:creationId xmlns:a16="http://schemas.microsoft.com/office/drawing/2014/main" id="{4DEF81BE-71D1-D743-E5F4-15289022AD5C}"/>
+                <a16:creationId xmlns:a16="http://schemas.microsoft.com/office/drawing/2014/main" id="{8BDE6EB4-BF82-3777-1F06-7412E0972F08}"/>
               </a:ext>
             </a:extLst>
           </p:cNvPr>
@@ -1526,7 +1526,7 @@
           <p:cNvPr id="3" name="文本占位符 2">
             <a:extLst>
               <a:ext uri="{FF2B5EF4-FFF2-40B4-BE49-F238E27FC236}">
-                <a16:creationId xmlns:a16="http://schemas.microsoft.com/office/drawing/2014/main" id="{9C3EC73E-A514-63B4-1F3A-98538466FC27}"/>
+                <a16:creationId xmlns:a16="http://schemas.microsoft.com/office/drawing/2014/main" id="{AA9077E2-3D5A-3AA7-1FB0-BB5E1464A5C4}"/>
               </a:ext>
             </a:extLst>
           </p:cNvPr>
@@ -1597,7 +1597,7 @@
           <p:cNvPr id="4" name="内容占位符 3">
             <a:extLst>
               <a:ext uri="{FF2B5EF4-FFF2-40B4-BE49-F238E27FC236}">
-                <a16:creationId xmlns:a16="http://schemas.microsoft.com/office/drawing/2014/main" id="{E0179381-74FE-BAC2-5117-CEE3EC487BC8}"/>
+                <a16:creationId xmlns:a16="http://schemas.microsoft.com/office/drawing/2014/main" id="{16DA1DBA-DA56-8C19-78EB-EB32C3010641}"/>
               </a:ext>
             </a:extLst>
           </p:cNvPr>
@@ -1659,7 +1659,7 @@
           <p:cNvPr id="5" name="文本占位符 4">
             <a:extLst>
               <a:ext uri="{FF2B5EF4-FFF2-40B4-BE49-F238E27FC236}">
-                <a16:creationId xmlns:a16="http://schemas.microsoft.com/office/drawing/2014/main" id="{91AA7C7D-68DA-59F9-EA40-4748E1AC1AF4}"/>
+                <a16:creationId xmlns:a16="http://schemas.microsoft.com/office/drawing/2014/main" id="{06D46DA5-CBFC-66CB-F1FF-11B17F7C137E}"/>
               </a:ext>
             </a:extLst>
           </p:cNvPr>
@@ -1730,7 +1730,7 @@
           <p:cNvPr id="6" name="内容占位符 5">
             <a:extLst>
               <a:ext uri="{FF2B5EF4-FFF2-40B4-BE49-F238E27FC236}">
-                <a16:creationId xmlns:a16="http://schemas.microsoft.com/office/drawing/2014/main" id="{F48E7EB0-6D3E-FAEE-E95E-016DA0569684}"/>
+                <a16:creationId xmlns:a16="http://schemas.microsoft.com/office/drawing/2014/main" id="{6E06031C-CFF9-882E-44BC-5A447060C0FB}"/>
               </a:ext>
             </a:extLst>
           </p:cNvPr>
@@ -1792,7 +1792,7 @@
           <p:cNvPr id="7" name="日期占位符 6">
             <a:extLst>
               <a:ext uri="{FF2B5EF4-FFF2-40B4-BE49-F238E27FC236}">
-                <a16:creationId xmlns:a16="http://schemas.microsoft.com/office/drawing/2014/main" id="{2E67B354-28FA-0CD5-8B68-D8CA72702CC0}"/>
+                <a16:creationId xmlns:a16="http://schemas.microsoft.com/office/drawing/2014/main" id="{0BCF950E-BD30-3A26-FF35-2FD46126DD50}"/>
               </a:ext>
             </a:extLst>
           </p:cNvPr>
@@ -1808,7 +1808,7 @@
           <a:bodyPr/>
           <a:lstStyle/>
           <a:p>
-            <a:fld id="{9A953AEA-DC32-4C2C-823E-4CB60DCAEB51}" type="datetimeFigureOut">
+            <a:fld id="{B6445F29-6593-4BF1-8C87-C35C181CBC07}" type="datetimeFigureOut">
               <a:rPr lang="zh-CN" altLang="en-US" smtClean="0"/>
               <a:t>2024/3/10</a:t>
             </a:fld>
@@ -1821,7 +1821,7 @@
           <p:cNvPr id="8" name="页脚占位符 7">
             <a:extLst>
               <a:ext uri="{FF2B5EF4-FFF2-40B4-BE49-F238E27FC236}">
-                <a16:creationId xmlns:a16="http://schemas.microsoft.com/office/drawing/2014/main" id="{407CDA77-A6D0-A293-C60C-1BEE0BE35826}"/>
+                <a16:creationId xmlns:a16="http://schemas.microsoft.com/office/drawing/2014/main" id="{E1B0E012-78FA-C7B0-EEA6-45660D1FB4F2}"/>
               </a:ext>
             </a:extLst>
           </p:cNvPr>
@@ -1846,7 +1846,7 @@
           <p:cNvPr id="9" name="灯片编号占位符 8">
             <a:extLst>
               <a:ext uri="{FF2B5EF4-FFF2-40B4-BE49-F238E27FC236}">
-                <a16:creationId xmlns:a16="http://schemas.microsoft.com/office/drawing/2014/main" id="{5693B191-DD36-3BF5-78B9-E3A836906417}"/>
+                <a16:creationId xmlns:a16="http://schemas.microsoft.com/office/drawing/2014/main" id="{89716857-70AA-42A6-45D0-881099A21E93}"/>
               </a:ext>
             </a:extLst>
           </p:cNvPr>
@@ -1862,7 +1862,7 @@
           <a:bodyPr/>
           <a:lstStyle/>
           <a:p>
-            <a:fld id="{5B7A856E-3FAB-4729-A6BD-CD3B1E56E9A0}" type="slidenum">
+            <a:fld id="{ED8A6AE8-62BD-429B-A0F5-48D007B504A1}" type="slidenum">
               <a:rPr lang="zh-CN" altLang="en-US" smtClean="0"/>
               <a:t>‹#›</a:t>
             </a:fld>
@@ -1873,7 +1873,7 @@
     </p:spTree>
     <p:extLst>
       <p:ext uri="{BB962C8B-B14F-4D97-AF65-F5344CB8AC3E}">
-        <p14:creationId xmlns:p14="http://schemas.microsoft.com/office/powerpoint/2010/main" val="3770673733"/>
+        <p14:creationId xmlns:p14="http://schemas.microsoft.com/office/powerpoint/2010/main" val="2098081963"/>
       </p:ext>
     </p:extLst>
   </p:cSld>
@@ -1905,7 +1905,7 @@
           <p:cNvPr id="2" name="标题 1">
             <a:extLst>
               <a:ext uri="{FF2B5EF4-FFF2-40B4-BE49-F238E27FC236}">
-                <a16:creationId xmlns:a16="http://schemas.microsoft.com/office/drawing/2014/main" id="{2546E87C-2B1D-42FA-D4CA-8FEAA392639E}"/>
+                <a16:creationId xmlns:a16="http://schemas.microsoft.com/office/drawing/2014/main" id="{774B1E07-D346-2B6D-9374-5F5FE36BC0D7}"/>
               </a:ext>
             </a:extLst>
           </p:cNvPr>
@@ -1933,7 +1933,7 @@
           <p:cNvPr id="3" name="日期占位符 2">
             <a:extLst>
               <a:ext uri="{FF2B5EF4-FFF2-40B4-BE49-F238E27FC236}">
-                <a16:creationId xmlns:a16="http://schemas.microsoft.com/office/drawing/2014/main" id="{C8F97A55-4074-247D-C2D8-352B3746E635}"/>
+                <a16:creationId xmlns:a16="http://schemas.microsoft.com/office/drawing/2014/main" id="{6CCD9FB5-5C9D-F3B2-2706-2F7551B8A0F8}"/>
               </a:ext>
             </a:extLst>
           </p:cNvPr>
@@ -1949,7 +1949,7 @@
           <a:bodyPr/>
           <a:lstStyle/>
           <a:p>
-            <a:fld id="{9A953AEA-DC32-4C2C-823E-4CB60DCAEB51}" type="datetimeFigureOut">
+            <a:fld id="{B6445F29-6593-4BF1-8C87-C35C181CBC07}" type="datetimeFigureOut">
               <a:rPr lang="zh-CN" altLang="en-US" smtClean="0"/>
               <a:t>2024/3/10</a:t>
             </a:fld>
@@ -1962,7 +1962,7 @@
           <p:cNvPr id="4" name="页脚占位符 3">
             <a:extLst>
               <a:ext uri="{FF2B5EF4-FFF2-40B4-BE49-F238E27FC236}">
-                <a16:creationId xmlns:a16="http://schemas.microsoft.com/office/drawing/2014/main" id="{9A1037B4-3266-DD58-234C-0DC63A1DC20F}"/>
+                <a16:creationId xmlns:a16="http://schemas.microsoft.com/office/drawing/2014/main" id="{61554782-3689-D3E9-1DEA-003D2B70A641}"/>
               </a:ext>
             </a:extLst>
           </p:cNvPr>
@@ -1987,7 +1987,7 @@
           <p:cNvPr id="5" name="灯片编号占位符 4">
             <a:extLst>
               <a:ext uri="{FF2B5EF4-FFF2-40B4-BE49-F238E27FC236}">
-                <a16:creationId xmlns:a16="http://schemas.microsoft.com/office/drawing/2014/main" id="{329AA67F-B5A5-44D9-FC28-8FF448D71444}"/>
+                <a16:creationId xmlns:a16="http://schemas.microsoft.com/office/drawing/2014/main" id="{BD96A667-5B8A-FCE6-300F-ED5332987AD3}"/>
               </a:ext>
             </a:extLst>
           </p:cNvPr>
@@ -2003,7 +2003,7 @@
           <a:bodyPr/>
           <a:lstStyle/>
           <a:p>
-            <a:fld id="{5B7A856E-3FAB-4729-A6BD-CD3B1E56E9A0}" type="slidenum">
+            <a:fld id="{ED8A6AE8-62BD-429B-A0F5-48D007B504A1}" type="slidenum">
               <a:rPr lang="zh-CN" altLang="en-US" smtClean="0"/>
               <a:t>‹#›</a:t>
             </a:fld>
@@ -2014,7 +2014,7 @@
     </p:spTree>
     <p:extLst>
       <p:ext uri="{BB962C8B-B14F-4D97-AF65-F5344CB8AC3E}">
-        <p14:creationId xmlns:p14="http://schemas.microsoft.com/office/powerpoint/2010/main" val="1770950709"/>
+        <p14:creationId xmlns:p14="http://schemas.microsoft.com/office/powerpoint/2010/main" val="1113559786"/>
       </p:ext>
     </p:extLst>
   </p:cSld>
@@ -2046,7 +2046,7 @@
           <p:cNvPr id="2" name="日期占位符 1">
             <a:extLst>
               <a:ext uri="{FF2B5EF4-FFF2-40B4-BE49-F238E27FC236}">
-                <a16:creationId xmlns:a16="http://schemas.microsoft.com/office/drawing/2014/main" id="{A741C03C-099D-4B3B-0264-5A4CC856AAE8}"/>
+                <a16:creationId xmlns:a16="http://schemas.microsoft.com/office/drawing/2014/main" id="{7E9C454C-F130-B2EE-5110-C6EA4DF5A2DF}"/>
               </a:ext>
             </a:extLst>
           </p:cNvPr>
@@ -2062,7 +2062,7 @@
           <a:bodyPr/>
           <a:lstStyle/>
           <a:p>
-            <a:fld id="{9A953AEA-DC32-4C2C-823E-4CB60DCAEB51}" type="datetimeFigureOut">
+            <a:fld id="{B6445F29-6593-4BF1-8C87-C35C181CBC07}" type="datetimeFigureOut">
               <a:rPr lang="zh-CN" altLang="en-US" smtClean="0"/>
               <a:t>2024/3/10</a:t>
             </a:fld>
@@ -2075,7 +2075,7 @@
           <p:cNvPr id="3" name="页脚占位符 2">
             <a:extLst>
               <a:ext uri="{FF2B5EF4-FFF2-40B4-BE49-F238E27FC236}">
-                <a16:creationId xmlns:a16="http://schemas.microsoft.com/office/drawing/2014/main" id="{26393C25-7BBF-DF7D-CB6D-7D1D0D6AEABA}"/>
+                <a16:creationId xmlns:a16="http://schemas.microsoft.com/office/drawing/2014/main" id="{DC1A6FDA-004F-FC13-CB71-625AF08468E3}"/>
               </a:ext>
             </a:extLst>
           </p:cNvPr>
@@ -2100,7 +2100,7 @@
           <p:cNvPr id="4" name="灯片编号占位符 3">
             <a:extLst>
               <a:ext uri="{FF2B5EF4-FFF2-40B4-BE49-F238E27FC236}">
-                <a16:creationId xmlns:a16="http://schemas.microsoft.com/office/drawing/2014/main" id="{DC17AD30-531A-D215-C3FD-D623E10D935E}"/>
+                <a16:creationId xmlns:a16="http://schemas.microsoft.com/office/drawing/2014/main" id="{40398F59-9FC4-B56F-3B1C-DAFE0D1BA0FC}"/>
               </a:ext>
             </a:extLst>
           </p:cNvPr>
@@ -2116,7 +2116,7 @@
           <a:bodyPr/>
           <a:lstStyle/>
           <a:p>
-            <a:fld id="{5B7A856E-3FAB-4729-A6BD-CD3B1E56E9A0}" type="slidenum">
+            <a:fld id="{ED8A6AE8-62BD-429B-A0F5-48D007B504A1}" type="slidenum">
               <a:rPr lang="zh-CN" altLang="en-US" smtClean="0"/>
               <a:t>‹#›</a:t>
             </a:fld>
@@ -2127,7 +2127,7 @@
     </p:spTree>
     <p:extLst>
       <p:ext uri="{BB962C8B-B14F-4D97-AF65-F5344CB8AC3E}">
-        <p14:creationId xmlns:p14="http://schemas.microsoft.com/office/powerpoint/2010/main" val="1139602288"/>
+        <p14:creationId xmlns:p14="http://schemas.microsoft.com/office/powerpoint/2010/main" val="2928382259"/>
       </p:ext>
     </p:extLst>
   </p:cSld>
@@ -2159,7 +2159,7 @@
           <p:cNvPr id="2" name="标题 1">
             <a:extLst>
               <a:ext uri="{FF2B5EF4-FFF2-40B4-BE49-F238E27FC236}">
-                <a16:creationId xmlns:a16="http://schemas.microsoft.com/office/drawing/2014/main" id="{99CCD7B1-CBAB-31A0-1EF4-F1AF4185B92A}"/>
+                <a16:creationId xmlns:a16="http://schemas.microsoft.com/office/drawing/2014/main" id="{C7A08C67-9C78-E2D0-601A-4152223AF19E}"/>
               </a:ext>
             </a:extLst>
           </p:cNvPr>
@@ -2196,7 +2196,7 @@
           <p:cNvPr id="3" name="内容占位符 2">
             <a:extLst>
               <a:ext uri="{FF2B5EF4-FFF2-40B4-BE49-F238E27FC236}">
-                <a16:creationId xmlns:a16="http://schemas.microsoft.com/office/drawing/2014/main" id="{B9C264B7-A7B5-E080-723B-8CD529C5351A}"/>
+                <a16:creationId xmlns:a16="http://schemas.microsoft.com/office/drawing/2014/main" id="{6331F779-026A-13F7-2FB8-9D4CB019E4CF}"/>
               </a:ext>
             </a:extLst>
           </p:cNvPr>
@@ -2286,7 +2286,7 @@
           <p:cNvPr id="4" name="文本占位符 3">
             <a:extLst>
               <a:ext uri="{FF2B5EF4-FFF2-40B4-BE49-F238E27FC236}">
-                <a16:creationId xmlns:a16="http://schemas.microsoft.com/office/drawing/2014/main" id="{053806D7-9826-8CA5-C10B-285AB54E0541}"/>
+                <a16:creationId xmlns:a16="http://schemas.microsoft.com/office/drawing/2014/main" id="{F74EAA01-DE68-C3F9-F18C-17CA560D74B9}"/>
               </a:ext>
             </a:extLst>
           </p:cNvPr>
@@ -2357,7 +2357,7 @@
           <p:cNvPr id="5" name="日期占位符 4">
             <a:extLst>
               <a:ext uri="{FF2B5EF4-FFF2-40B4-BE49-F238E27FC236}">
-                <a16:creationId xmlns:a16="http://schemas.microsoft.com/office/drawing/2014/main" id="{26E15205-7176-F861-560C-E74A332F8E4D}"/>
+                <a16:creationId xmlns:a16="http://schemas.microsoft.com/office/drawing/2014/main" id="{07EA72F6-A29A-732C-A8BC-0D076DB657A2}"/>
               </a:ext>
             </a:extLst>
           </p:cNvPr>
@@ -2373,7 +2373,7 @@
           <a:bodyPr/>
           <a:lstStyle/>
           <a:p>
-            <a:fld id="{9A953AEA-DC32-4C2C-823E-4CB60DCAEB51}" type="datetimeFigureOut">
+            <a:fld id="{B6445F29-6593-4BF1-8C87-C35C181CBC07}" type="datetimeFigureOut">
               <a:rPr lang="zh-CN" altLang="en-US" smtClean="0"/>
               <a:t>2024/3/10</a:t>
             </a:fld>
@@ -2386,7 +2386,7 @@
           <p:cNvPr id="6" name="页脚占位符 5">
             <a:extLst>
               <a:ext uri="{FF2B5EF4-FFF2-40B4-BE49-F238E27FC236}">
-                <a16:creationId xmlns:a16="http://schemas.microsoft.com/office/drawing/2014/main" id="{E7246367-89A9-F1C6-F479-BD5522A3F380}"/>
+                <a16:creationId xmlns:a16="http://schemas.microsoft.com/office/drawing/2014/main" id="{67AA4DF0-891A-E404-BB5E-B49D88CC4800}"/>
               </a:ext>
             </a:extLst>
           </p:cNvPr>
@@ -2411,7 +2411,7 @@
           <p:cNvPr id="7" name="灯片编号占位符 6">
             <a:extLst>
               <a:ext uri="{FF2B5EF4-FFF2-40B4-BE49-F238E27FC236}">
-                <a16:creationId xmlns:a16="http://schemas.microsoft.com/office/drawing/2014/main" id="{DCE7E148-3B78-4BEB-0745-D33AEC9F76B6}"/>
+                <a16:creationId xmlns:a16="http://schemas.microsoft.com/office/drawing/2014/main" id="{FEC3E261-7545-B92B-B304-6523D675B207}"/>
               </a:ext>
             </a:extLst>
           </p:cNvPr>
@@ -2427,7 +2427,7 @@
           <a:bodyPr/>
           <a:lstStyle/>
           <a:p>
-            <a:fld id="{5B7A856E-3FAB-4729-A6BD-CD3B1E56E9A0}" type="slidenum">
+            <a:fld id="{ED8A6AE8-62BD-429B-A0F5-48D007B504A1}" type="slidenum">
               <a:rPr lang="zh-CN" altLang="en-US" smtClean="0"/>
               <a:t>‹#›</a:t>
             </a:fld>
@@ -2438,7 +2438,7 @@
     </p:spTree>
     <p:extLst>
       <p:ext uri="{BB962C8B-B14F-4D97-AF65-F5344CB8AC3E}">
-        <p14:creationId xmlns:p14="http://schemas.microsoft.com/office/powerpoint/2010/main" val="1008732046"/>
+        <p14:creationId xmlns:p14="http://schemas.microsoft.com/office/powerpoint/2010/main" val="1002677567"/>
       </p:ext>
     </p:extLst>
   </p:cSld>
@@ -2470,7 +2470,7 @@
           <p:cNvPr id="2" name="标题 1">
             <a:extLst>
               <a:ext uri="{FF2B5EF4-FFF2-40B4-BE49-F238E27FC236}">
-                <a16:creationId xmlns:a16="http://schemas.microsoft.com/office/drawing/2014/main" id="{2B1E9B02-8753-26CA-7E1B-A9315C700D0D}"/>
+                <a16:creationId xmlns:a16="http://schemas.microsoft.com/office/drawing/2014/main" id="{02E81485-B92D-C9DF-AD50-CF80BDD41D74}"/>
               </a:ext>
             </a:extLst>
           </p:cNvPr>
@@ -2507,7 +2507,7 @@
           <p:cNvPr id="3" name="图片占位符 2">
             <a:extLst>
               <a:ext uri="{FF2B5EF4-FFF2-40B4-BE49-F238E27FC236}">
-                <a16:creationId xmlns:a16="http://schemas.microsoft.com/office/drawing/2014/main" id="{7A26D563-22F7-D823-01DB-7FC922627B94}"/>
+                <a16:creationId xmlns:a16="http://schemas.microsoft.com/office/drawing/2014/main" id="{BEAC0793-631B-4392-FF62-D9B06D47B76F}"/>
               </a:ext>
             </a:extLst>
           </p:cNvPr>
@@ -2574,7 +2574,7 @@
           <p:cNvPr id="4" name="文本占位符 3">
             <a:extLst>
               <a:ext uri="{FF2B5EF4-FFF2-40B4-BE49-F238E27FC236}">
-                <a16:creationId xmlns:a16="http://schemas.microsoft.com/office/drawing/2014/main" id="{115261CF-FBAD-2864-5055-156E777258C3}"/>
+                <a16:creationId xmlns:a16="http://schemas.microsoft.com/office/drawing/2014/main" id="{53488C19-3EFA-D6AE-1943-C2FB860AD4E6}"/>
               </a:ext>
             </a:extLst>
           </p:cNvPr>
@@ -2645,7 +2645,7 @@
           <p:cNvPr id="5" name="日期占位符 4">
             <a:extLst>
               <a:ext uri="{FF2B5EF4-FFF2-40B4-BE49-F238E27FC236}">
-                <a16:creationId xmlns:a16="http://schemas.microsoft.com/office/drawing/2014/main" id="{A97A8CC0-85B1-D188-F25D-9D87A6F0044A}"/>
+                <a16:creationId xmlns:a16="http://schemas.microsoft.com/office/drawing/2014/main" id="{A3D19AAE-A973-CF74-A035-FDEB3C8B5C11}"/>
               </a:ext>
             </a:extLst>
           </p:cNvPr>
@@ -2661,7 +2661,7 @@
           <a:bodyPr/>
           <a:lstStyle/>
           <a:p>
-            <a:fld id="{9A953AEA-DC32-4C2C-823E-4CB60DCAEB51}" type="datetimeFigureOut">
+            <a:fld id="{B6445F29-6593-4BF1-8C87-C35C181CBC07}" type="datetimeFigureOut">
               <a:rPr lang="zh-CN" altLang="en-US" smtClean="0"/>
               <a:t>2024/3/10</a:t>
             </a:fld>
@@ -2674,7 +2674,7 @@
           <p:cNvPr id="6" name="页脚占位符 5">
             <a:extLst>
               <a:ext uri="{FF2B5EF4-FFF2-40B4-BE49-F238E27FC236}">
-                <a16:creationId xmlns:a16="http://schemas.microsoft.com/office/drawing/2014/main" id="{29C1D2AD-E79C-0F8B-1638-5F1AF2360CCC}"/>
+                <a16:creationId xmlns:a16="http://schemas.microsoft.com/office/drawing/2014/main" id="{F283BED6-90E2-D8C2-997D-DFAE39C17BCA}"/>
               </a:ext>
             </a:extLst>
           </p:cNvPr>
@@ -2699,7 +2699,7 @@
           <p:cNvPr id="7" name="灯片编号占位符 6">
             <a:extLst>
               <a:ext uri="{FF2B5EF4-FFF2-40B4-BE49-F238E27FC236}">
-                <a16:creationId xmlns:a16="http://schemas.microsoft.com/office/drawing/2014/main" id="{4642AD6E-453F-37F9-CB73-5C489AB7849A}"/>
+                <a16:creationId xmlns:a16="http://schemas.microsoft.com/office/drawing/2014/main" id="{5173226D-5049-3FAE-FE40-E43EEC72B861}"/>
               </a:ext>
             </a:extLst>
           </p:cNvPr>
@@ -2715,7 +2715,7 @@
           <a:bodyPr/>
           <a:lstStyle/>
           <a:p>
-            <a:fld id="{5B7A856E-3FAB-4729-A6BD-CD3B1E56E9A0}" type="slidenum">
+            <a:fld id="{ED8A6AE8-62BD-429B-A0F5-48D007B504A1}" type="slidenum">
               <a:rPr lang="zh-CN" altLang="en-US" smtClean="0"/>
               <a:t>‹#›</a:t>
             </a:fld>
@@ -2726,7 +2726,7 @@
     </p:spTree>
     <p:extLst>
       <p:ext uri="{BB962C8B-B14F-4D97-AF65-F5344CB8AC3E}">
-        <p14:creationId xmlns:p14="http://schemas.microsoft.com/office/powerpoint/2010/main" val="2393022782"/>
+        <p14:creationId xmlns:p14="http://schemas.microsoft.com/office/powerpoint/2010/main" val="1583540006"/>
       </p:ext>
     </p:extLst>
   </p:cSld>
@@ -2763,7 +2763,7 @@
           <p:cNvPr id="2" name="标题占位符 1">
             <a:extLst>
               <a:ext uri="{FF2B5EF4-FFF2-40B4-BE49-F238E27FC236}">
-                <a16:creationId xmlns:a16="http://schemas.microsoft.com/office/drawing/2014/main" id="{AD77D233-639D-786F-FB5F-68D5589C0F19}"/>
+                <a16:creationId xmlns:a16="http://schemas.microsoft.com/office/drawing/2014/main" id="{902DCB08-5161-3254-6F6D-E9E0D5D1AA8C}"/>
               </a:ext>
             </a:extLst>
           </p:cNvPr>
@@ -2801,7 +2801,7 @@
           <p:cNvPr id="3" name="文本占位符 2">
             <a:extLst>
               <a:ext uri="{FF2B5EF4-FFF2-40B4-BE49-F238E27FC236}">
-                <a16:creationId xmlns:a16="http://schemas.microsoft.com/office/drawing/2014/main" id="{9138BD0B-9EA8-E3F8-0D54-CF4AEE4911A9}"/>
+                <a16:creationId xmlns:a16="http://schemas.microsoft.com/office/drawing/2014/main" id="{4EFAF9F0-29A6-A04F-B917-C7F1699C53B0}"/>
               </a:ext>
             </a:extLst>
           </p:cNvPr>
@@ -2868,7 +2868,7 @@
           <p:cNvPr id="4" name="日期占位符 3">
             <a:extLst>
               <a:ext uri="{FF2B5EF4-FFF2-40B4-BE49-F238E27FC236}">
-                <a16:creationId xmlns:a16="http://schemas.microsoft.com/office/drawing/2014/main" id="{BF007B29-616A-6D39-3D2B-F0E8C9309B3A}"/>
+                <a16:creationId xmlns:a16="http://schemas.microsoft.com/office/drawing/2014/main" id="{641DD18E-F1C2-326F-1A69-C10A220DE56B}"/>
               </a:ext>
             </a:extLst>
           </p:cNvPr>
@@ -2902,7 +2902,7 @@
             </a:lvl1pPr>
           </a:lstStyle>
           <a:p>
-            <a:fld id="{9A953AEA-DC32-4C2C-823E-4CB60DCAEB51}" type="datetimeFigureOut">
+            <a:fld id="{B6445F29-6593-4BF1-8C87-C35C181CBC07}" type="datetimeFigureOut">
               <a:rPr lang="zh-CN" altLang="en-US" smtClean="0"/>
               <a:t>2024/3/10</a:t>
             </a:fld>
@@ -2915,7 +2915,7 @@
           <p:cNvPr id="5" name="页脚占位符 4">
             <a:extLst>
               <a:ext uri="{FF2B5EF4-FFF2-40B4-BE49-F238E27FC236}">
-                <a16:creationId xmlns:a16="http://schemas.microsoft.com/office/drawing/2014/main" id="{AA870BE0-081D-242F-2049-0DAF4BCAC251}"/>
+                <a16:creationId xmlns:a16="http://schemas.microsoft.com/office/drawing/2014/main" id="{7D3EBA40-023E-817E-D9C5-BAAE716D900F}"/>
               </a:ext>
             </a:extLst>
           </p:cNvPr>
@@ -2958,7 +2958,7 @@
           <p:cNvPr id="6" name="灯片编号占位符 5">
             <a:extLst>
               <a:ext uri="{FF2B5EF4-FFF2-40B4-BE49-F238E27FC236}">
-                <a16:creationId xmlns:a16="http://schemas.microsoft.com/office/drawing/2014/main" id="{E8009639-1F86-6E65-41E9-8359090D511E}"/>
+                <a16:creationId xmlns:a16="http://schemas.microsoft.com/office/drawing/2014/main" id="{37494C4A-D8EF-EBAE-6E95-165645579DC3}"/>
               </a:ext>
             </a:extLst>
           </p:cNvPr>
@@ -2992,7 +2992,7 @@
             </a:lvl1pPr>
           </a:lstStyle>
           <a:p>
-            <a:fld id="{5B7A856E-3FAB-4729-A6BD-CD3B1E56E9A0}" type="slidenum">
+            <a:fld id="{ED8A6AE8-62BD-429B-A0F5-48D007B504A1}" type="slidenum">
               <a:rPr lang="zh-CN" altLang="en-US" smtClean="0"/>
               <a:t>‹#›</a:t>
             </a:fld>
@@ -3003,7 +3003,7 @@
     </p:spTree>
     <p:extLst>
       <p:ext uri="{BB962C8B-B14F-4D97-AF65-F5344CB8AC3E}">
-        <p14:creationId xmlns:p14="http://schemas.microsoft.com/office/powerpoint/2010/main" val="1999418921"/>
+        <p14:creationId xmlns:p14="http://schemas.microsoft.com/office/powerpoint/2010/main" val="2979376071"/>
       </p:ext>
     </p:extLst>
   </p:cSld>
@@ -3323,7 +3323,7 @@
       </p:grpSpPr>
       <p:pic>
         <p:nvPicPr>
-          <p:cNvPr id="1612802" name="Picture 2" descr="1574"/>
+          <p:cNvPr id="1613826" name="Picture 2" descr="1575"/>
           <p:cNvPicPr>
             <a:picLocks noChangeAspect="1" noChangeArrowheads="1"/>
           </p:cNvPicPr>
@@ -3344,8 +3344,8 @@
         </p:blipFill>
         <p:spPr bwMode="auto">
           <a:xfrm>
-            <a:off x="1524001" y="0"/>
-            <a:ext cx="9053513" cy="6789738"/>
+            <a:off x="1543050" y="14288"/>
+            <a:ext cx="9124950" cy="6843712"/>
           </a:xfrm>
           <a:prstGeom prst="rect">
             <a:avLst/>
